--- a/arduino/esp_aws.ino/ESP32.pptx
+++ b/arduino/esp_aws.ino/ESP32.pptx
@@ -119,6 +119,90 @@
     </p:ext>
   </p:extLst>
 </p:presentation>
+</file>
+
+<file path=ppt/ink/ink1.xml><?xml version="1.0" encoding="utf-8"?>
+<inkml:ink xmlns:inkml="http://www.w3.org/2003/InkML">
+  <inkml:definitions>
+    <inkml:context xml:id="ctx0">
+      <inkml:inkSource xml:id="inkSrc0">
+        <inkml:traceFormat>
+          <inkml:channel name="X" type="integer" min="-2.14748E9" max="2.14748E9" units="cm"/>
+          <inkml:channel name="Y" type="integer" min="-2.14748E9" max="2.14748E9" units="cm"/>
+        </inkml:traceFormat>
+        <inkml:channelProperties>
+          <inkml:channelProperty channel="X" name="resolution" value="1000" units="1/cm"/>
+          <inkml:channelProperty channel="Y" name="resolution" value="1000" units="1/cm"/>
+        </inkml:channelProperties>
+      </inkml:inkSource>
+      <inkml:timestamp xml:id="ts0" timeString="2024-02-21T05:57:50.879"/>
+    </inkml:context>
+    <inkml:brush xml:id="br0">
+      <inkml:brushProperty name="width" value="0.1" units="cm"/>
+      <inkml:brushProperty name="height" value="0.6" units="cm"/>
+      <inkml:brushProperty name="color" value="#849398"/>
+      <inkml:brushProperty name="ignorePressure" value="1"/>
+      <inkml:brushProperty name="inkEffects" value="pencil"/>
+    </inkml:brush>
+  </inkml:definitions>
+  <inkml:trace contextRef="#ctx0" brushRef="#br0">0 1,'0'0</inkml:trace>
+</inkml:ink>
+</file>
+
+<file path=ppt/ink/ink2.xml><?xml version="1.0" encoding="utf-8"?>
+<inkml:ink xmlns:inkml="http://www.w3.org/2003/InkML">
+  <inkml:definitions>
+    <inkml:context xml:id="ctx0">
+      <inkml:inkSource xml:id="inkSrc0">
+        <inkml:traceFormat>
+          <inkml:channel name="X" type="integer" min="-2.14748E9" max="2.14748E9" units="cm"/>
+          <inkml:channel name="Y" type="integer" min="-2.14748E9" max="2.14748E9" units="cm"/>
+        </inkml:traceFormat>
+        <inkml:channelProperties>
+          <inkml:channelProperty channel="X" name="resolution" value="1000" units="1/cm"/>
+          <inkml:channelProperty channel="Y" name="resolution" value="1000" units="1/cm"/>
+        </inkml:channelProperties>
+      </inkml:inkSource>
+      <inkml:timestamp xml:id="ts0" timeString="2024-02-21T05:57:51.316"/>
+    </inkml:context>
+    <inkml:brush xml:id="br0">
+      <inkml:brushProperty name="width" value="0.1" units="cm"/>
+      <inkml:brushProperty name="height" value="0.6" units="cm"/>
+      <inkml:brushProperty name="color" value="#849398"/>
+      <inkml:brushProperty name="ignorePressure" value="1"/>
+      <inkml:brushProperty name="inkEffects" value="pencil"/>
+    </inkml:brush>
+  </inkml:definitions>
+  <inkml:trace contextRef="#ctx0" brushRef="#br0">1 1,'0'0</inkml:trace>
+</inkml:ink>
+</file>
+
+<file path=ppt/ink/ink3.xml><?xml version="1.0" encoding="utf-8"?>
+<inkml:ink xmlns:inkml="http://www.w3.org/2003/InkML">
+  <inkml:definitions>
+    <inkml:context xml:id="ctx0">
+      <inkml:inkSource xml:id="inkSrc0">
+        <inkml:traceFormat>
+          <inkml:channel name="X" type="integer" min="-2.14748E9" max="2.14748E9" units="cm"/>
+          <inkml:channel name="Y" type="integer" min="-2.14748E9" max="2.14748E9" units="cm"/>
+        </inkml:traceFormat>
+        <inkml:channelProperties>
+          <inkml:channelProperty channel="X" name="resolution" value="1000" units="1/cm"/>
+          <inkml:channelProperty channel="Y" name="resolution" value="1000" units="1/cm"/>
+        </inkml:channelProperties>
+      </inkml:inkSource>
+      <inkml:timestamp xml:id="ts0" timeString="2024-02-21T05:57:54.308"/>
+    </inkml:context>
+    <inkml:brush xml:id="br0">
+      <inkml:brushProperty name="width" value="0.1" units="cm"/>
+      <inkml:brushProperty name="height" value="0.6" units="cm"/>
+      <inkml:brushProperty name="color" value="#849398"/>
+      <inkml:brushProperty name="ignorePressure" value="1"/>
+      <inkml:brushProperty name="inkEffects" value="pencil"/>
+    </inkml:brush>
+  </inkml:definitions>
+  <inkml:trace contextRef="#ctx0" brushRef="#br0">1 1,'0'0</inkml:trace>
+</inkml:ink>
 </file>
 
 <file path=ppt/slideLayouts/slideLayout1.xml><?xml version="1.0" encoding="utf-8"?>
@@ -4330,6 +4414,41 @@
           <a:chExt cx="0" cy="0"/>
         </a:xfrm>
       </p:grpSpPr>
+      <p:pic>
+        <p:nvPicPr>
+          <p:cNvPr id="27" name="圖片 26">
+            <a:extLst>
+              <a:ext uri="{FF2B5EF4-FFF2-40B4-BE49-F238E27FC236}">
+                <a16:creationId xmlns:a16="http://schemas.microsoft.com/office/drawing/2014/main" id="{75578FFD-15D1-762A-EAF6-5AB78B47BD3A}"/>
+              </a:ext>
+            </a:extLst>
+          </p:cNvPr>
+          <p:cNvPicPr>
+            <a:picLocks noChangeAspect="1"/>
+          </p:cNvPicPr>
+          <p:nvPr/>
+        </p:nvPicPr>
+        <p:blipFill>
+          <a:blip r:embed="rId2"/>
+          <a:stretch>
+            <a:fillRect/>
+          </a:stretch>
+        </p:blipFill>
+        <p:spPr>
+          <a:xfrm>
+            <a:off x="2170476" y="641223"/>
+            <a:ext cx="8185617" cy="5916119"/>
+          </a:xfrm>
+          <a:prstGeom prst="rect">
+            <a:avLst/>
+          </a:prstGeom>
+          <a:ln>
+            <a:solidFill>
+              <a:schemeClr val="tx1"/>
+            </a:solidFill>
+          </a:ln>
+        </p:spPr>
+      </p:pic>
       <p:graphicFrame>
         <p:nvGraphicFramePr>
           <p:cNvPr id="13" name="物件 12">
@@ -4345,25 +4464,25 @@
           <p:nvPr>
             <p:extLst>
               <p:ext uri="{D42A27DB-BD31-4B8C-83A1-F6EECF244321}">
-                <p14:modId xmlns:p14="http://schemas.microsoft.com/office/powerpoint/2010/main" val="1381082909"/>
+                <p14:modId xmlns:p14="http://schemas.microsoft.com/office/powerpoint/2010/main" val="2073763204"/>
               </p:ext>
             </p:extLst>
           </p:nvPr>
         </p:nvGraphicFramePr>
         <p:xfrm>
-          <a:off x="182975" y="245734"/>
+          <a:off x="261129" y="204039"/>
           <a:ext cx="1647303" cy="1372753"/>
         </p:xfrm>
         <a:graphic>
           <a:graphicData uri="http://schemas.openxmlformats.org/presentationml/2006/ole">
             <mc:AlternateContent xmlns:mc="http://schemas.openxmlformats.org/markup-compatibility/2006">
               <mc:Choice xmlns:v="urn:schemas-microsoft-com:vml" Requires="v">
-                <p:oleObj name="封裝程式殼層物件" showAsIcon="1" r:id="rId2" imgW="419400" imgH="349200" progId="Package">
+                <p:oleObj name="封裝程式殼層物件" showAsIcon="1" r:id="rId3" imgW="419400" imgH="349200" progId="Package">
                   <p:embed/>
                 </p:oleObj>
               </mc:Choice>
               <mc:Fallback>
-                <p:oleObj name="封裝程式殼層物件" showAsIcon="1" r:id="rId2" imgW="419400" imgH="349200" progId="Package">
+                <p:oleObj name="封裝程式殼層物件" showAsIcon="1" r:id="rId3" imgW="419400" imgH="349200" progId="Package">
                   <p:embed/>
                   <p:pic>
                     <p:nvPicPr>
@@ -4378,14 +4497,14 @@
                       <p:nvPr/>
                     </p:nvPicPr>
                     <p:blipFill>
-                      <a:blip r:embed="rId3"/>
+                      <a:blip r:embed="rId4"/>
                       <a:stretch>
                         <a:fillRect/>
                       </a:stretch>
                     </p:blipFill>
                     <p:spPr>
                       <a:xfrm>
-                        <a:off x="182975" y="245734"/>
+                        <a:off x="261129" y="204039"/>
                         <a:ext cx="1647303" cy="1372753"/>
                       </a:xfrm>
                       <a:prstGeom prst="rect">
@@ -4399,41 +4518,6 @@
           </a:graphicData>
         </a:graphic>
       </p:graphicFrame>
-      <p:pic>
-        <p:nvPicPr>
-          <p:cNvPr id="15" name="圖片 14">
-            <a:extLst>
-              <a:ext uri="{FF2B5EF4-FFF2-40B4-BE49-F238E27FC236}">
-                <a16:creationId xmlns:a16="http://schemas.microsoft.com/office/drawing/2014/main" id="{5180F961-922C-64AB-B0BC-DA9BD4D376A3}"/>
-              </a:ext>
-            </a:extLst>
-          </p:cNvPr>
-          <p:cNvPicPr>
-            <a:picLocks noChangeAspect="1"/>
-          </p:cNvPicPr>
-          <p:nvPr/>
-        </p:nvPicPr>
-        <p:blipFill>
-          <a:blip r:embed="rId4"/>
-          <a:stretch>
-            <a:fillRect/>
-          </a:stretch>
-        </p:blipFill>
-        <p:spPr>
-          <a:xfrm>
-            <a:off x="1897578" y="245734"/>
-            <a:ext cx="8618022" cy="6449921"/>
-          </a:xfrm>
-          <a:prstGeom prst="rect">
-            <a:avLst/>
-          </a:prstGeom>
-          <a:ln>
-            <a:solidFill>
-              <a:schemeClr val="tx1"/>
-            </a:solidFill>
-          </a:ln>
-        </p:spPr>
-      </p:pic>
       <p:sp>
         <p:nvSpPr>
           <p:cNvPr id="17" name="矩形 16">
@@ -4448,7 +4532,7 @@
         </p:nvSpPr>
         <p:spPr>
           <a:xfrm>
-            <a:off x="5400008" y="2740894"/>
+            <a:off x="5478162" y="2699199"/>
             <a:ext cx="1055656" cy="404642"/>
           </a:xfrm>
           <a:prstGeom prst="rect">
@@ -4500,7 +4584,7 @@
         </p:nvSpPr>
         <p:spPr>
           <a:xfrm>
-            <a:off x="6528816" y="2727546"/>
+            <a:off x="6606970" y="2685851"/>
             <a:ext cx="1389888" cy="417990"/>
           </a:xfrm>
           <a:prstGeom prst="rect">
@@ -4552,7 +4636,7 @@
         </p:nvSpPr>
         <p:spPr>
           <a:xfrm>
-            <a:off x="5400008" y="2298446"/>
+            <a:off x="5478162" y="2256751"/>
             <a:ext cx="2700409" cy="369332"/>
           </a:xfrm>
           <a:prstGeom prst="rect">
@@ -4615,7 +4699,7 @@
         </p:nvSpPr>
         <p:spPr>
           <a:xfrm>
-            <a:off x="5400008" y="4190223"/>
+            <a:off x="5478162" y="4148528"/>
             <a:ext cx="1055656" cy="404642"/>
           </a:xfrm>
           <a:prstGeom prst="rect">
@@ -4667,7 +4751,7 @@
         </p:nvSpPr>
         <p:spPr>
           <a:xfrm>
-            <a:off x="5400008" y="5732511"/>
+            <a:off x="5527341" y="5590641"/>
             <a:ext cx="1055656" cy="404642"/>
           </a:xfrm>
           <a:prstGeom prst="rect">
@@ -4719,7 +4803,7 @@
         </p:nvSpPr>
         <p:spPr>
           <a:xfrm>
-            <a:off x="6528816" y="4176875"/>
+            <a:off x="6606970" y="4135180"/>
             <a:ext cx="1389888" cy="417990"/>
           </a:xfrm>
           <a:prstGeom prst="rect">
@@ -4771,7 +4855,7 @@
         </p:nvSpPr>
         <p:spPr>
           <a:xfrm>
-            <a:off x="6528816" y="5732511"/>
+            <a:off x="6664660" y="5583967"/>
             <a:ext cx="1463040" cy="417990"/>
           </a:xfrm>
           <a:prstGeom prst="rect">
@@ -4809,6 +4893,159 @@
           </a:p>
         </p:txBody>
       </p:sp>
+      <mc:AlternateContent xmlns:mc="http://schemas.openxmlformats.org/markup-compatibility/2006">
+        <mc:Choice xmlns:p14="http://schemas.microsoft.com/office/powerpoint/2010/main" xmlns:aink="http://schemas.microsoft.com/office/drawing/2016/ink" Requires="p14 aink">
+          <p:contentPart p14:bwMode="auto" r:id="rId5">
+            <p14:nvContentPartPr>
+              <p14:cNvPr id="3" name="筆跡 2">
+                <a:extLst>
+                  <a:ext uri="{FF2B5EF4-FFF2-40B4-BE49-F238E27FC236}">
+                    <a16:creationId xmlns:a16="http://schemas.microsoft.com/office/drawing/2014/main" id="{F84B1DCC-EFD8-8F63-CE2A-29270A820731}"/>
+                  </a:ext>
+                </a:extLst>
+              </p14:cNvPr>
+              <p14:cNvContentPartPr/>
+              <p14:nvPr/>
+            </p14:nvContentPartPr>
+            <p14:xfrm>
+              <a:off x="2219274" y="2422142"/>
+              <a:ext cx="360" cy="360"/>
+            </p14:xfrm>
+          </p:contentPart>
+        </mc:Choice>
+        <mc:Fallback>
+          <p:pic>
+            <p:nvPicPr>
+              <p:cNvPr id="3" name="筆跡 2">
+                <a:extLst>
+                  <a:ext uri="{FF2B5EF4-FFF2-40B4-BE49-F238E27FC236}">
+                    <a16:creationId xmlns:a16="http://schemas.microsoft.com/office/drawing/2014/main" id="{F84B1DCC-EFD8-8F63-CE2A-29270A820731}"/>
+                  </a:ext>
+                </a:extLst>
+              </p:cNvPr>
+              <p:cNvPicPr/>
+              <p:nvPr/>
+            </p:nvPicPr>
+            <p:blipFill>
+              <a:blip r:embed="rId6"/>
+              <a:stretch>
+                <a:fillRect/>
+              </a:stretch>
+            </p:blipFill>
+            <p:spPr>
+              <a:xfrm>
+                <a:off x="2201274" y="2314502"/>
+                <a:ext cx="36000" cy="216000"/>
+              </a:xfrm>
+              <a:prstGeom prst="rect">
+                <a:avLst/>
+              </a:prstGeom>
+            </p:spPr>
+          </p:pic>
+        </mc:Fallback>
+      </mc:AlternateContent>
+      <mc:AlternateContent xmlns:mc="http://schemas.openxmlformats.org/markup-compatibility/2006">
+        <mc:Choice xmlns:p14="http://schemas.microsoft.com/office/powerpoint/2010/main" xmlns:aink="http://schemas.microsoft.com/office/drawing/2016/ink" Requires="p14 aink">
+          <p:contentPart p14:bwMode="auto" r:id="rId7">
+            <p14:nvContentPartPr>
+              <p14:cNvPr id="4" name="筆跡 3">
+                <a:extLst>
+                  <a:ext uri="{FF2B5EF4-FFF2-40B4-BE49-F238E27FC236}">
+                    <a16:creationId xmlns:a16="http://schemas.microsoft.com/office/drawing/2014/main" id="{34217095-5D40-AD73-7F42-10336B279CB9}"/>
+                  </a:ext>
+                </a:extLst>
+              </p14:cNvPr>
+              <p14:cNvContentPartPr/>
+              <p14:nvPr/>
+            </p14:nvContentPartPr>
+            <p14:xfrm>
+              <a:off x="2039274" y="1453382"/>
+              <a:ext cx="360" cy="360"/>
+            </p14:xfrm>
+          </p:contentPart>
+        </mc:Choice>
+        <mc:Fallback>
+          <p:pic>
+            <p:nvPicPr>
+              <p:cNvPr id="4" name="筆跡 3">
+                <a:extLst>
+                  <a:ext uri="{FF2B5EF4-FFF2-40B4-BE49-F238E27FC236}">
+                    <a16:creationId xmlns:a16="http://schemas.microsoft.com/office/drawing/2014/main" id="{34217095-5D40-AD73-7F42-10336B279CB9}"/>
+                  </a:ext>
+                </a:extLst>
+              </p:cNvPr>
+              <p:cNvPicPr/>
+              <p:nvPr/>
+            </p:nvPicPr>
+            <p:blipFill>
+              <a:blip r:embed="rId8"/>
+              <a:stretch>
+                <a:fillRect/>
+              </a:stretch>
+            </p:blipFill>
+            <p:spPr>
+              <a:xfrm>
+                <a:off x="2021634" y="1345742"/>
+                <a:ext cx="36000" cy="216000"/>
+              </a:xfrm>
+              <a:prstGeom prst="rect">
+                <a:avLst/>
+              </a:prstGeom>
+            </p:spPr>
+          </p:pic>
+        </mc:Fallback>
+      </mc:AlternateContent>
+      <mc:AlternateContent xmlns:mc="http://schemas.openxmlformats.org/markup-compatibility/2006">
+        <mc:Choice xmlns:p14="http://schemas.microsoft.com/office/powerpoint/2010/main" xmlns:aink="http://schemas.microsoft.com/office/drawing/2016/ink" Requires="p14 aink">
+          <p:contentPart p14:bwMode="auto" r:id="rId9">
+            <p14:nvContentPartPr>
+              <p14:cNvPr id="5" name="筆跡 4">
+                <a:extLst>
+                  <a:ext uri="{FF2B5EF4-FFF2-40B4-BE49-F238E27FC236}">
+                    <a16:creationId xmlns:a16="http://schemas.microsoft.com/office/drawing/2014/main" id="{6B0A60D7-2609-D400-3B48-C2D16CE5CC2E}"/>
+                  </a:ext>
+                </a:extLst>
+              </p14:cNvPr>
+              <p14:cNvContentPartPr/>
+              <p14:nvPr/>
+            </p14:nvContentPartPr>
+            <p14:xfrm>
+              <a:off x="8588754" y="1601702"/>
+              <a:ext cx="360" cy="360"/>
+            </p14:xfrm>
+          </p:contentPart>
+        </mc:Choice>
+        <mc:Fallback>
+          <p:pic>
+            <p:nvPicPr>
+              <p:cNvPr id="5" name="筆跡 4">
+                <a:extLst>
+                  <a:ext uri="{FF2B5EF4-FFF2-40B4-BE49-F238E27FC236}">
+                    <a16:creationId xmlns:a16="http://schemas.microsoft.com/office/drawing/2014/main" id="{6B0A60D7-2609-D400-3B48-C2D16CE5CC2E}"/>
+                  </a:ext>
+                </a:extLst>
+              </p:cNvPr>
+              <p:cNvPicPr/>
+              <p:nvPr/>
+            </p:nvPicPr>
+            <p:blipFill>
+              <a:blip r:embed="rId10"/>
+              <a:stretch>
+                <a:fillRect/>
+              </a:stretch>
+            </p:blipFill>
+            <p:spPr>
+              <a:xfrm>
+                <a:off x="8571114" y="1494062"/>
+                <a:ext cx="36000" cy="216000"/>
+              </a:xfrm>
+              <a:prstGeom prst="rect">
+                <a:avLst/>
+              </a:prstGeom>
+            </p:spPr>
+          </p:pic>
+        </mc:Fallback>
+      </mc:AlternateContent>
     </p:spTree>
     <p:extLst>
       <p:ext uri="{BB962C8B-B14F-4D97-AF65-F5344CB8AC3E}">
@@ -4921,12 +5158,17 @@
         </p:blipFill>
         <p:spPr>
           <a:xfrm>
-            <a:off x="596975" y="904634"/>
+            <a:off x="596975" y="855935"/>
             <a:ext cx="10998050" cy="1505208"/>
           </a:xfrm>
           <a:prstGeom prst="rect">
             <a:avLst/>
           </a:prstGeom>
+          <a:effectLst>
+            <a:innerShdw blurRad="114300">
+              <a:prstClr val="black"/>
+            </a:innerShdw>
+          </a:effectLst>
         </p:spPr>
       </p:pic>
       <p:sp>
@@ -4949,7 +5191,9 @@
           <a:prstGeom prst="rect">
             <a:avLst/>
           </a:prstGeom>
-          <a:noFill/>
+          <a:solidFill>
+            <a:srgbClr val="FF0000"/>
+          </a:solidFill>
           <a:ln w="38100">
             <a:solidFill>
               <a:srgbClr val="FF0000"/>
@@ -5007,6 +5251,98 @@
               <a:srgbClr val="FF0000"/>
             </a:solidFill>
           </a:ln>
+        </p:spPr>
+        <p:style>
+          <a:lnRef idx="2">
+            <a:schemeClr val="accent1">
+              <a:shade val="15000"/>
+            </a:schemeClr>
+          </a:lnRef>
+          <a:fillRef idx="1">
+            <a:schemeClr val="accent1"/>
+          </a:fillRef>
+          <a:effectRef idx="0">
+            <a:schemeClr val="accent1"/>
+          </a:effectRef>
+          <a:fontRef idx="minor">
+            <a:schemeClr val="lt1"/>
+          </a:fontRef>
+        </p:style>
+        <p:txBody>
+          <a:bodyPr rtlCol="0" anchor="ctr"/>
+          <a:lstStyle/>
+          <a:p>
+            <a:pPr algn="ctr"/>
+            <a:endParaRPr lang="zh-TW" altLang="en-US"/>
+          </a:p>
+        </p:txBody>
+      </p:sp>
+      <p:sp>
+        <p:nvSpPr>
+          <p:cNvPr id="14" name="矩形 13">
+            <a:extLst>
+              <a:ext uri="{FF2B5EF4-FFF2-40B4-BE49-F238E27FC236}">
+                <a16:creationId xmlns:a16="http://schemas.microsoft.com/office/drawing/2014/main" id="{37C15331-74EB-8CDF-7788-7112AFF456D6}"/>
+              </a:ext>
+            </a:extLst>
+          </p:cNvPr>
+          <p:cNvSpPr/>
+          <p:nvPr/>
+        </p:nvSpPr>
+        <p:spPr>
+          <a:xfrm>
+            <a:off x="8601768" y="3748035"/>
+            <a:ext cx="3097863" cy="413915"/>
+          </a:xfrm>
+          <a:prstGeom prst="rect">
+            <a:avLst/>
+          </a:prstGeom>
+        </p:spPr>
+        <p:style>
+          <a:lnRef idx="2">
+            <a:schemeClr val="accent1">
+              <a:shade val="15000"/>
+            </a:schemeClr>
+          </a:lnRef>
+          <a:fillRef idx="1">
+            <a:schemeClr val="accent1"/>
+          </a:fillRef>
+          <a:effectRef idx="0">
+            <a:schemeClr val="accent1"/>
+          </a:effectRef>
+          <a:fontRef idx="minor">
+            <a:schemeClr val="lt1"/>
+          </a:fontRef>
+        </p:style>
+        <p:txBody>
+          <a:bodyPr rtlCol="0" anchor="ctr"/>
+          <a:lstStyle/>
+          <a:p>
+            <a:pPr algn="ctr"/>
+            <a:endParaRPr lang="zh-TW" altLang="en-US"/>
+          </a:p>
+        </p:txBody>
+      </p:sp>
+      <p:sp>
+        <p:nvSpPr>
+          <p:cNvPr id="16" name="矩形 15">
+            <a:extLst>
+              <a:ext uri="{FF2B5EF4-FFF2-40B4-BE49-F238E27FC236}">
+                <a16:creationId xmlns:a16="http://schemas.microsoft.com/office/drawing/2014/main" id="{79E211ED-BE01-D6EF-8078-48E726BF4FC3}"/>
+              </a:ext>
+            </a:extLst>
+          </p:cNvPr>
+          <p:cNvSpPr/>
+          <p:nvPr/>
+        </p:nvSpPr>
+        <p:spPr>
+          <a:xfrm>
+            <a:off x="5756030" y="1194624"/>
+            <a:ext cx="5177693" cy="413915"/>
+          </a:xfrm>
+          <a:prstGeom prst="rect">
+            <a:avLst/>
+          </a:prstGeom>
         </p:spPr>
         <p:style>
           <a:lnRef idx="2">
@@ -5911,7 +6247,9 @@
           <a:prstGeom prst="rect">
             <a:avLst/>
           </a:prstGeom>
-          <a:noFill/>
+          <a:solidFill>
+            <a:srgbClr val="FF0000"/>
+          </a:solidFill>
           <a:ln w="38100">
             <a:solidFill>
               <a:srgbClr val="FF0000"/>
